--- a/SOA服务监控/监控.pptx
+++ b/SOA服务监控/监控.pptx
@@ -5,13 +5,17 @@
     <p:sldMasterId id="2147483660" r:id="rId1"/>
   </p:sldMasterIdLst>
   <p:notesMasterIdLst>
-    <p:notesMasterId r:id="rId6"/>
+    <p:notesMasterId r:id="rId10"/>
   </p:notesMasterIdLst>
   <p:sldIdLst>
     <p:sldId id="256" r:id="rId2"/>
-    <p:sldId id="258" r:id="rId3"/>
-    <p:sldId id="259" r:id="rId4"/>
-    <p:sldId id="257" r:id="rId5"/>
+    <p:sldId id="263" r:id="rId3"/>
+    <p:sldId id="258" r:id="rId4"/>
+    <p:sldId id="259" r:id="rId5"/>
+    <p:sldId id="262" r:id="rId6"/>
+    <p:sldId id="260" r:id="rId7"/>
+    <p:sldId id="261" r:id="rId8"/>
+    <p:sldId id="257" r:id="rId9"/>
   </p:sldIdLst>
   <p:sldSz cx="9144000" cy="6858000" type="screen4x3"/>
   <p:notesSz cx="6858000" cy="9144000"/>
@@ -211,7 +215,7 @@
           <a:p>
             <a:fld id="{E45CAED5-394F-E941-8905-2F3D49560E04}" type="datetimeFigureOut">
               <a:rPr lang="en-US" smtClean="0"/>
-              <a:t>2/15/16</a:t>
+              <a:t>2/25/16</a:t>
             </a:fld>
             <a:endParaRPr lang="en-US"/>
           </a:p>
@@ -548,7 +552,7 @@
           <a:p>
             <a:fld id="{2057E21E-0CD6-CA4F-8813-2F285B641422}" type="slidenum">
               <a:rPr lang="en-US" smtClean="0"/>
-              <a:t>3</a:t>
+              <a:t>4</a:t>
             </a:fld>
             <a:endParaRPr lang="en-US"/>
           </a:p>
@@ -775,7 +779,7 @@
             <a:pPr algn="l" eaLnBrk="1" latinLnBrk="0" hangingPunct="1"/>
             <a:fld id="{48D92626-37D2-4832-BF7A-BC283494A20D}" type="datetimeFigureOut">
               <a:rPr lang="en-US" smtClean="0"/>
-              <a:t>2/15/16</a:t>
+              <a:t>2/25/16</a:t>
             </a:fld>
             <a:endParaRPr lang="en-US"/>
           </a:p>
@@ -976,7 +980,7 @@
           <a:p>
             <a:fld id="{48D92626-37D2-4832-BF7A-BC283494A20D}" type="datetimeFigureOut">
               <a:rPr lang="en-US" smtClean="0"/>
-              <a:t>2/15/16</a:t>
+              <a:t>2/25/16</a:t>
             </a:fld>
             <a:endParaRPr lang="en-US"/>
           </a:p>
@@ -1164,7 +1168,7 @@
           <a:p>
             <a:fld id="{48D92626-37D2-4832-BF7A-BC283494A20D}" type="datetimeFigureOut">
               <a:rPr lang="en-US" smtClean="0"/>
-              <a:t>2/15/16</a:t>
+              <a:t>2/25/16</a:t>
             </a:fld>
             <a:endParaRPr lang="en-US"/>
           </a:p>
@@ -1393,7 +1397,7 @@
           <a:p>
             <a:fld id="{48D92626-37D2-4832-BF7A-BC283494A20D}" type="datetimeFigureOut">
               <a:rPr lang="en-US" smtClean="0"/>
-              <a:t>2/15/16</a:t>
+              <a:t>2/25/16</a:t>
             </a:fld>
             <a:endParaRPr lang="en-US"/>
           </a:p>
@@ -1675,7 +1679,7 @@
             <a:pPr algn="l" eaLnBrk="1" latinLnBrk="0" hangingPunct="1"/>
             <a:fld id="{48D92626-37D2-4832-BF7A-BC283494A20D}" type="datetimeFigureOut">
               <a:rPr lang="en-US" smtClean="0"/>
-              <a:t>2/15/16</a:t>
+              <a:t>2/25/16</a:t>
             </a:fld>
             <a:endParaRPr lang="en-US"/>
           </a:p>
@@ -1970,7 +1974,7 @@
           <a:p>
             <a:fld id="{48D92626-37D2-4832-BF7A-BC283494A20D}" type="datetimeFigureOut">
               <a:rPr lang="en-US" smtClean="0"/>
-              <a:t>2/15/16</a:t>
+              <a:t>2/25/16</a:t>
             </a:fld>
             <a:endParaRPr lang="en-US"/>
           </a:p>
@@ -2524,7 +2528,7 @@
           <a:p>
             <a:fld id="{48D92626-37D2-4832-BF7A-BC283494A20D}" type="datetimeFigureOut">
               <a:rPr lang="en-US" smtClean="0"/>
-              <a:t>2/15/16</a:t>
+              <a:t>2/25/16</a:t>
             </a:fld>
             <a:endParaRPr lang="en-US"/>
           </a:p>
@@ -2655,7 +2659,7 @@
           <a:p>
             <a:fld id="{48D92626-37D2-4832-BF7A-BC283494A20D}" type="datetimeFigureOut">
               <a:rPr lang="en-US" smtClean="0"/>
-              <a:t>2/15/16</a:t>
+              <a:t>2/25/16</a:t>
             </a:fld>
             <a:endParaRPr lang="en-US"/>
           </a:p>
@@ -2805,7 +2809,7 @@
           <a:p>
             <a:fld id="{48D92626-37D2-4832-BF7A-BC283494A20D}" type="datetimeFigureOut">
               <a:rPr lang="en-US" smtClean="0"/>
-              <a:t>2/15/16</a:t>
+              <a:t>2/25/16</a:t>
             </a:fld>
             <a:endParaRPr lang="en-US"/>
           </a:p>
@@ -3127,7 +3131,7 @@
             <a:pPr algn="l" eaLnBrk="1" latinLnBrk="0" hangingPunct="1"/>
             <a:fld id="{48D92626-37D2-4832-BF7A-BC283494A20D}" type="datetimeFigureOut">
               <a:rPr lang="en-US" smtClean="0"/>
-              <a:t>2/15/16</a:t>
+              <a:t>2/25/16</a:t>
             </a:fld>
             <a:endParaRPr lang="en-US"/>
           </a:p>
@@ -3432,7 +3436,7 @@
             <a:pPr algn="l" eaLnBrk="1" latinLnBrk="0" hangingPunct="1"/>
             <a:fld id="{48D92626-37D2-4832-BF7A-BC283494A20D}" type="datetimeFigureOut">
               <a:rPr lang="en-US" smtClean="0"/>
-              <a:t>2/15/16</a:t>
+              <a:t>2/25/16</a:t>
             </a:fld>
             <a:endParaRPr lang="en-US"/>
           </a:p>
@@ -3693,7 +3697,7 @@
             <a:pPr algn="l" eaLnBrk="1" latinLnBrk="0" hangingPunct="1"/>
             <a:fld id="{48D92626-37D2-4832-BF7A-BC283494A20D}" type="datetimeFigureOut">
               <a:rPr lang="en-US" smtClean="0"/>
-              <a:t>2/15/16</a:t>
+              <a:t>2/25/16</a:t>
             </a:fld>
             <a:endParaRPr lang="en-US" sz="1300" dirty="0">
               <a:solidFill>
@@ -4307,10 +4311,10 @@
           <a:lstStyle/>
           <a:p>
             <a:r>
-              <a:rPr kumimoji="1" lang="zh-CN" altLang="en-US" smtClean="0"/>
-              <a:t>目录</a:t>
-            </a:r>
-            <a:endParaRPr kumimoji="1" lang="zh-CN" altLang="en-US"/>
+              <a:rPr kumimoji="1" lang="zh-CN" altLang="en-US" dirty="0" smtClean="0"/>
+              <a:t>大纲</a:t>
+            </a:r>
+            <a:endParaRPr kumimoji="1" lang="zh-CN" altLang="en-US" dirty="0"/>
           </a:p>
         </p:txBody>
       </p:sp>
@@ -4335,8 +4339,8 @@
               </a:lnSpc>
             </a:pPr>
             <a:r>
-              <a:rPr kumimoji="1" lang="zh-CN" altLang="en-US" dirty="0"/>
-              <a:t>数据上报</a:t>
+              <a:rPr kumimoji="1" lang="zh-CN" altLang="en-US" dirty="0" smtClean="0"/>
+              <a:t>看什么？</a:t>
             </a:r>
           </a:p>
           <a:p>
@@ -4346,11 +4350,20 @@
               </a:lnSpc>
             </a:pPr>
             <a:r>
-              <a:rPr kumimoji="1" lang="zh-CN" altLang="en-US" dirty="0"/>
-              <a:t>监控</a:t>
-            </a:r>
-          </a:p>
-          <a:p>
+              <a:rPr kumimoji="1" lang="zh-CN" altLang="en-US" dirty="0" smtClean="0"/>
+              <a:t>如何看到？</a:t>
+            </a:r>
+          </a:p>
+          <a:p>
+            <a:pPr>
+              <a:lnSpc>
+                <a:spcPct val="150000"/>
+              </a:lnSpc>
+            </a:pPr>
+            <a:r>
+              <a:rPr kumimoji="1" lang="zh-CN" altLang="en-US" dirty="0" smtClean="0"/>
+              <a:t>自身可靠性</a:t>
+            </a:r>
             <a:endParaRPr kumimoji="1" lang="zh-CN" altLang="en-US" dirty="0"/>
           </a:p>
         </p:txBody>
@@ -4358,7 +4371,7 @@
     </p:spTree>
     <p:extLst>
       <p:ext uri="{BB962C8B-B14F-4D97-AF65-F5344CB8AC3E}">
-        <p14:creationId xmlns:p14="http://schemas.microsoft.com/office/powerpoint/2010/main" val="1604931503"/>
+        <p14:creationId xmlns:p14="http://schemas.microsoft.com/office/powerpoint/2010/main" val="1209447246"/>
       </p:ext>
     </p:extLst>
   </p:cSld>
@@ -4401,6 +4414,100 @@
           <a:lstStyle/>
           <a:p>
             <a:r>
+              <a:rPr kumimoji="1" lang="zh-CN" altLang="en-US" smtClean="0"/>
+              <a:t>目录</a:t>
+            </a:r>
+            <a:endParaRPr kumimoji="1" lang="zh-CN" altLang="en-US"/>
+          </a:p>
+        </p:txBody>
+      </p:sp>
+      <p:sp>
+        <p:nvSpPr>
+          <p:cNvPr id="3" name="内容占位符 2"/>
+          <p:cNvSpPr>
+            <a:spLocks noGrp="1"/>
+          </p:cNvSpPr>
+          <p:nvPr>
+            <p:ph idx="1"/>
+          </p:nvPr>
+        </p:nvSpPr>
+        <p:spPr/>
+        <p:txBody>
+          <a:bodyPr/>
+          <a:lstStyle/>
+          <a:p>
+            <a:pPr>
+              <a:lnSpc>
+                <a:spcPct val="150000"/>
+              </a:lnSpc>
+            </a:pPr>
+            <a:r>
+              <a:rPr kumimoji="1" lang="zh-CN" altLang="en-US" dirty="0"/>
+              <a:t>数据上报</a:t>
+            </a:r>
+          </a:p>
+          <a:p>
+            <a:pPr>
+              <a:lnSpc>
+                <a:spcPct val="150000"/>
+              </a:lnSpc>
+            </a:pPr>
+            <a:r>
+              <a:rPr kumimoji="1" lang="zh-CN" altLang="en-US" dirty="0"/>
+              <a:t>监控</a:t>
+            </a:r>
+          </a:p>
+          <a:p>
+            <a:endParaRPr kumimoji="1" lang="zh-CN" altLang="en-US" dirty="0"/>
+          </a:p>
+        </p:txBody>
+      </p:sp>
+    </p:spTree>
+    <p:extLst>
+      <p:ext uri="{BB962C8B-B14F-4D97-AF65-F5344CB8AC3E}">
+        <p14:creationId xmlns:p14="http://schemas.microsoft.com/office/powerpoint/2010/main" val="1604931503"/>
+      </p:ext>
+    </p:extLst>
+  </p:cSld>
+  <p:clrMapOvr>
+    <a:masterClrMapping/>
+  </p:clrMapOvr>
+</p:sld>
+</file>
+
+<file path=ppt/slides/slide4.xml><?xml version="1.0" encoding="utf-8"?>
+<p:sld xmlns:a="http://schemas.openxmlformats.org/drawingml/2006/main" xmlns:r="http://schemas.openxmlformats.org/officeDocument/2006/relationships" xmlns:p="http://schemas.openxmlformats.org/presentationml/2006/main">
+  <p:cSld>
+    <p:spTree>
+      <p:nvGrpSpPr>
+        <p:cNvPr id="1" name=""/>
+        <p:cNvGrpSpPr/>
+        <p:nvPr/>
+      </p:nvGrpSpPr>
+      <p:grpSpPr>
+        <a:xfrm>
+          <a:off x="0" y="0"/>
+          <a:ext cx="0" cy="0"/>
+          <a:chOff x="0" y="0"/>
+          <a:chExt cx="0" cy="0"/>
+        </a:xfrm>
+      </p:grpSpPr>
+      <p:sp>
+        <p:nvSpPr>
+          <p:cNvPr id="2" name="标题 1"/>
+          <p:cNvSpPr>
+            <a:spLocks noGrp="1"/>
+          </p:cNvSpPr>
+          <p:nvPr>
+            <p:ph type="title"/>
+          </p:nvPr>
+        </p:nvSpPr>
+        <p:spPr/>
+        <p:txBody>
+          <a:bodyPr/>
+          <a:lstStyle/>
+          <a:p>
+            <a:r>
               <a:rPr kumimoji="1" lang="zh-CN" altLang="en-US" dirty="0" smtClean="0"/>
               <a:t>流量控制</a:t>
             </a:r>
@@ -4501,7 +4608,434 @@
 </p:sld>
 </file>
 
-<file path=ppt/slides/slide4.xml><?xml version="1.0" encoding="utf-8"?>
+<file path=ppt/slides/slide5.xml><?xml version="1.0" encoding="utf-8"?>
+<p:sld xmlns:a="http://schemas.openxmlformats.org/drawingml/2006/main" xmlns:r="http://schemas.openxmlformats.org/officeDocument/2006/relationships" xmlns:p="http://schemas.openxmlformats.org/presentationml/2006/main">
+  <p:cSld>
+    <p:spTree>
+      <p:nvGrpSpPr>
+        <p:cNvPr id="1" name=""/>
+        <p:cNvGrpSpPr/>
+        <p:nvPr/>
+      </p:nvGrpSpPr>
+      <p:grpSpPr>
+        <a:xfrm>
+          <a:off x="0" y="0"/>
+          <a:ext cx="0" cy="0"/>
+          <a:chOff x="0" y="0"/>
+          <a:chExt cx="0" cy="0"/>
+        </a:xfrm>
+      </p:grpSpPr>
+      <p:sp>
+        <p:nvSpPr>
+          <p:cNvPr id="2" name="标题 1"/>
+          <p:cNvSpPr>
+            <a:spLocks noGrp="1"/>
+          </p:cNvSpPr>
+          <p:nvPr>
+            <p:ph type="title"/>
+          </p:nvPr>
+        </p:nvSpPr>
+        <p:spPr/>
+        <p:txBody>
+          <a:bodyPr/>
+          <a:lstStyle/>
+          <a:p>
+            <a:r>
+              <a:rPr kumimoji="1" lang="zh-CN" altLang="en-US" dirty="0" smtClean="0"/>
+              <a:t>链路通顺</a:t>
+            </a:r>
+            <a:endParaRPr kumimoji="1" lang="zh-CN" altLang="en-US" dirty="0"/>
+          </a:p>
+        </p:txBody>
+      </p:sp>
+      <p:sp>
+        <p:nvSpPr>
+          <p:cNvPr id="3" name="内容占位符 2"/>
+          <p:cNvSpPr>
+            <a:spLocks noGrp="1"/>
+          </p:cNvSpPr>
+          <p:nvPr>
+            <p:ph idx="1"/>
+          </p:nvPr>
+        </p:nvSpPr>
+        <p:spPr/>
+        <p:txBody>
+          <a:bodyPr>
+            <a:normAutofit fontScale="85000" lnSpcReduction="10000"/>
+          </a:bodyPr>
+          <a:lstStyle/>
+          <a:p>
+            <a:pPr>
+              <a:lnSpc>
+                <a:spcPct val="150000"/>
+              </a:lnSpc>
+            </a:pPr>
+            <a:r>
+              <a:rPr kumimoji="1" lang="fr-FR" altLang="zh-CN" dirty="0"/>
+              <a:t>TP999</a:t>
+            </a:r>
+            <a:r>
+              <a:rPr kumimoji="1" lang="zh-CN" altLang="fr-FR" dirty="0"/>
+              <a:t>、</a:t>
+            </a:r>
+            <a:r>
+              <a:rPr kumimoji="1" lang="fr-FR" altLang="zh-CN" dirty="0"/>
+              <a:t>TP99</a:t>
+            </a:r>
+            <a:r>
+              <a:rPr kumimoji="1" lang="zh-CN" altLang="fr-FR" dirty="0"/>
+              <a:t>、</a:t>
+            </a:r>
+            <a:r>
+              <a:rPr kumimoji="1" lang="fr-FR" altLang="zh-CN" dirty="0"/>
+              <a:t>TP90</a:t>
+            </a:r>
+            <a:r>
+              <a:rPr kumimoji="1" lang="zh-CN" altLang="fr-FR" dirty="0"/>
+              <a:t>、</a:t>
+            </a:r>
+            <a:r>
+              <a:rPr kumimoji="1" lang="fr-FR" altLang="zh-CN" dirty="0" smtClean="0"/>
+              <a:t>TP50</a:t>
+            </a:r>
+          </a:p>
+          <a:p>
+            <a:pPr lvl="1">
+              <a:lnSpc>
+                <a:spcPct val="150000"/>
+              </a:lnSpc>
+            </a:pPr>
+            <a:r>
+              <a:rPr kumimoji="1" lang="zh-CN" altLang="en-US" dirty="0" smtClean="0"/>
+              <a:t>以</a:t>
+            </a:r>
+            <a:r>
+              <a:rPr kumimoji="1" lang="zh-CN" altLang="en-US" dirty="0"/>
+              <a:t>“响应时间”为例来说明对方法性能数据的高效获取和分析方法和系统</a:t>
+            </a:r>
+            <a:r>
+              <a:rPr kumimoji="1" lang="zh-CN" altLang="en-US" dirty="0" smtClean="0"/>
+              <a:t>。</a:t>
+            </a:r>
+            <a:endParaRPr kumimoji="1" lang="en-US" altLang="zh-CN" dirty="0" smtClean="0"/>
+          </a:p>
+          <a:p>
+            <a:pPr lvl="1">
+              <a:lnSpc>
+                <a:spcPct val="150000"/>
+              </a:lnSpc>
+            </a:pPr>
+            <a:r>
+              <a:rPr kumimoji="1" lang="zh-CN" altLang="en-US" dirty="0" smtClean="0"/>
+              <a:t>通常</a:t>
+            </a:r>
+            <a:r>
+              <a:rPr kumimoji="1" lang="zh-CN" altLang="en-US" dirty="0"/>
+              <a:t>，在一个时间粒度内，将方法调用响应时间按从小到大的顺序进行排序，如在此使用的术语“</a:t>
+            </a:r>
+            <a:r>
+              <a:rPr kumimoji="1" lang="en-US" altLang="zh-CN" dirty="0"/>
+              <a:t>TP999”</a:t>
+            </a:r>
+            <a:r>
+              <a:rPr kumimoji="1" lang="zh-CN" altLang="en-US" dirty="0"/>
+              <a:t>指的是方法在第</a:t>
+            </a:r>
+            <a:r>
+              <a:rPr kumimoji="1" lang="en-US" altLang="zh-CN" dirty="0"/>
+              <a:t>99.9%</a:t>
+            </a:r>
+            <a:r>
+              <a:rPr kumimoji="1" lang="zh-CN" altLang="en-US" dirty="0"/>
+              <a:t>次调用时的响应时间。例如，方法在</a:t>
+            </a:r>
+            <a:r>
+              <a:rPr kumimoji="1" lang="en-US" altLang="zh-CN" dirty="0"/>
+              <a:t>5</a:t>
+            </a:r>
+            <a:r>
+              <a:rPr kumimoji="1" lang="zh-CN" altLang="en-US" dirty="0"/>
+              <a:t>分钟内调用了</a:t>
+            </a:r>
+            <a:r>
+              <a:rPr kumimoji="1" lang="en-US" altLang="zh-CN" dirty="0"/>
+              <a:t>1000</a:t>
+            </a:r>
+            <a:r>
+              <a:rPr kumimoji="1" lang="zh-CN" altLang="en-US" dirty="0"/>
+              <a:t>次，响应时间从第一次调用到第</a:t>
+            </a:r>
+            <a:r>
+              <a:rPr kumimoji="1" lang="en-US" altLang="zh-CN" dirty="0"/>
+              <a:t>1000</a:t>
+            </a:r>
+            <a:r>
+              <a:rPr kumimoji="1" lang="zh-CN" altLang="en-US" dirty="0"/>
+              <a:t>次调用分别是</a:t>
+            </a:r>
+            <a:r>
+              <a:rPr kumimoji="1" lang="en-US" altLang="zh-CN" dirty="0" err="1"/>
+              <a:t>lms</a:t>
+            </a:r>
+            <a:r>
+              <a:rPr kumimoji="1" lang="zh-CN" altLang="en-US" dirty="0"/>
+              <a:t>、</a:t>
+            </a:r>
+            <a:r>
+              <a:rPr kumimoji="1" lang="en-US" altLang="zh-CN" dirty="0"/>
+              <a:t>2ms</a:t>
+            </a:r>
+            <a:r>
+              <a:rPr kumimoji="1" lang="zh-CN" altLang="en-US" dirty="0"/>
+              <a:t>、</a:t>
+            </a:r>
+            <a:r>
+              <a:rPr kumimoji="1" lang="en-US" altLang="zh-CN" dirty="0"/>
+              <a:t>3ms</a:t>
+            </a:r>
+            <a:r>
+              <a:rPr kumimoji="1" lang="zh-CN" altLang="en-US" dirty="0"/>
+              <a:t>、</a:t>
+            </a:r>
+            <a:r>
+              <a:rPr kumimoji="1" lang="en-US" altLang="zh-CN" dirty="0"/>
+              <a:t>……</a:t>
+            </a:r>
+            <a:r>
+              <a:rPr kumimoji="1" lang="zh-CN" altLang="en-US" dirty="0"/>
+              <a:t>、</a:t>
+            </a:r>
+            <a:r>
+              <a:rPr kumimoji="1" lang="en-US" altLang="zh-CN" dirty="0"/>
+              <a:t>1000ms</a:t>
+            </a:r>
+            <a:r>
+              <a:rPr kumimoji="1" lang="zh-CN" altLang="en-US" dirty="0"/>
+              <a:t>，那么</a:t>
+            </a:r>
+            <a:r>
+              <a:rPr kumimoji="1" lang="en-US" altLang="zh-CN" dirty="0"/>
+              <a:t>TP999</a:t>
+            </a:r>
+            <a:r>
+              <a:rPr kumimoji="1" lang="zh-CN" altLang="en-US" dirty="0"/>
+              <a:t>就等于</a:t>
+            </a:r>
+            <a:r>
+              <a:rPr kumimoji="1" lang="en-US" altLang="zh-CN" dirty="0"/>
+              <a:t>1000*0.999=999</a:t>
+            </a:r>
+            <a:r>
+              <a:rPr kumimoji="1" lang="zh-CN" altLang="en-US" dirty="0"/>
+              <a:t>次调用时的响应时间</a:t>
+            </a:r>
+            <a:r>
+              <a:rPr kumimoji="1" lang="en-US" altLang="zh-CN" dirty="0"/>
+              <a:t>999ms</a:t>
+            </a:r>
+            <a:r>
+              <a:rPr kumimoji="1" lang="zh-CN" altLang="en-US" dirty="0"/>
+              <a:t>。</a:t>
+            </a:r>
+          </a:p>
+        </p:txBody>
+      </p:sp>
+    </p:spTree>
+    <p:extLst>
+      <p:ext uri="{BB962C8B-B14F-4D97-AF65-F5344CB8AC3E}">
+        <p14:creationId xmlns:p14="http://schemas.microsoft.com/office/powerpoint/2010/main" val="1516359158"/>
+      </p:ext>
+    </p:extLst>
+  </p:cSld>
+  <p:clrMapOvr>
+    <a:masterClrMapping/>
+  </p:clrMapOvr>
+</p:sld>
+</file>
+
+<file path=ppt/slides/slide6.xml><?xml version="1.0" encoding="utf-8"?>
+<p:sld xmlns:a="http://schemas.openxmlformats.org/drawingml/2006/main" xmlns:r="http://schemas.openxmlformats.org/officeDocument/2006/relationships" xmlns:p="http://schemas.openxmlformats.org/presentationml/2006/main">
+  <p:cSld>
+    <p:spTree>
+      <p:nvGrpSpPr>
+        <p:cNvPr id="1" name=""/>
+        <p:cNvGrpSpPr/>
+        <p:nvPr/>
+      </p:nvGrpSpPr>
+      <p:grpSpPr>
+        <a:xfrm>
+          <a:off x="0" y="0"/>
+          <a:ext cx="0" cy="0"/>
+          <a:chOff x="0" y="0"/>
+          <a:chExt cx="0" cy="0"/>
+        </a:xfrm>
+      </p:grpSpPr>
+      <p:sp>
+        <p:nvSpPr>
+          <p:cNvPr id="2" name="标题 1"/>
+          <p:cNvSpPr>
+            <a:spLocks noGrp="1"/>
+          </p:cNvSpPr>
+          <p:nvPr>
+            <p:ph type="title"/>
+          </p:nvPr>
+        </p:nvSpPr>
+        <p:spPr/>
+        <p:txBody>
+          <a:bodyPr/>
+          <a:lstStyle/>
+          <a:p>
+            <a:r>
+              <a:rPr kumimoji="1" lang="zh-CN" altLang="en-US" dirty="0" smtClean="0"/>
+              <a:t>触达通路</a:t>
+            </a:r>
+            <a:endParaRPr kumimoji="1" lang="zh-CN" altLang="en-US" dirty="0"/>
+          </a:p>
+        </p:txBody>
+      </p:sp>
+      <p:sp>
+        <p:nvSpPr>
+          <p:cNvPr id="3" name="内容占位符 2"/>
+          <p:cNvSpPr>
+            <a:spLocks noGrp="1"/>
+          </p:cNvSpPr>
+          <p:nvPr>
+            <p:ph idx="1"/>
+          </p:nvPr>
+        </p:nvSpPr>
+        <p:spPr/>
+        <p:txBody>
+          <a:bodyPr/>
+          <a:lstStyle/>
+          <a:p>
+            <a:r>
+              <a:rPr kumimoji="1" lang="zh-CN" altLang="en-US" dirty="0" smtClean="0"/>
+              <a:t>按需查看</a:t>
+            </a:r>
+          </a:p>
+          <a:p>
+            <a:pPr lvl="1"/>
+            <a:r>
+              <a:rPr kumimoji="1" lang="zh-CN" altLang="en-US" dirty="0" smtClean="0"/>
+              <a:t>监控站点</a:t>
+            </a:r>
+          </a:p>
+          <a:p>
+            <a:r>
+              <a:rPr kumimoji="1" lang="zh-CN" altLang="en-US" dirty="0" smtClean="0"/>
+              <a:t>实时报警</a:t>
+            </a:r>
+          </a:p>
+          <a:p>
+            <a:pPr lvl="1"/>
+            <a:r>
+              <a:rPr kumimoji="1" lang="zh-CN" altLang="en-US" dirty="0" smtClean="0"/>
+              <a:t>邮件</a:t>
+            </a:r>
+          </a:p>
+          <a:p>
+            <a:pPr lvl="1"/>
+            <a:r>
+              <a:rPr kumimoji="1" lang="zh-CN" altLang="en-US" dirty="0" smtClean="0"/>
+              <a:t>微信</a:t>
+            </a:r>
+          </a:p>
+          <a:p>
+            <a:pPr lvl="1"/>
+            <a:r>
+              <a:rPr kumimoji="1" lang="zh-CN" altLang="en-US" dirty="0" smtClean="0"/>
+              <a:t>短信</a:t>
+            </a:r>
+            <a:endParaRPr kumimoji="1" lang="zh-CN" altLang="en-US" dirty="0"/>
+          </a:p>
+        </p:txBody>
+      </p:sp>
+    </p:spTree>
+    <p:extLst>
+      <p:ext uri="{BB962C8B-B14F-4D97-AF65-F5344CB8AC3E}">
+        <p14:creationId xmlns:p14="http://schemas.microsoft.com/office/powerpoint/2010/main" val="552109298"/>
+      </p:ext>
+    </p:extLst>
+  </p:cSld>
+  <p:clrMapOvr>
+    <a:masterClrMapping/>
+  </p:clrMapOvr>
+</p:sld>
+</file>
+
+<file path=ppt/slides/slide7.xml><?xml version="1.0" encoding="utf-8"?>
+<p:sld xmlns:a="http://schemas.openxmlformats.org/drawingml/2006/main" xmlns:r="http://schemas.openxmlformats.org/officeDocument/2006/relationships" xmlns:p="http://schemas.openxmlformats.org/presentationml/2006/main">
+  <p:cSld>
+    <p:spTree>
+      <p:nvGrpSpPr>
+        <p:cNvPr id="1" name=""/>
+        <p:cNvGrpSpPr/>
+        <p:nvPr/>
+      </p:nvGrpSpPr>
+      <p:grpSpPr>
+        <a:xfrm>
+          <a:off x="0" y="0"/>
+          <a:ext cx="0" cy="0"/>
+          <a:chOff x="0" y="0"/>
+          <a:chExt cx="0" cy="0"/>
+        </a:xfrm>
+      </p:grpSpPr>
+      <p:sp>
+        <p:nvSpPr>
+          <p:cNvPr id="2" name="标题 1"/>
+          <p:cNvSpPr>
+            <a:spLocks noGrp="1"/>
+          </p:cNvSpPr>
+          <p:nvPr>
+            <p:ph type="title"/>
+          </p:nvPr>
+        </p:nvSpPr>
+        <p:spPr/>
+        <p:txBody>
+          <a:bodyPr/>
+          <a:lstStyle/>
+          <a:p>
+            <a:r>
+              <a:rPr kumimoji="1" lang="zh-CN" altLang="en-US" dirty="0" smtClean="0"/>
+              <a:t>对自身体系的监控</a:t>
+            </a:r>
+            <a:endParaRPr kumimoji="1" lang="zh-CN" altLang="en-US" dirty="0"/>
+          </a:p>
+        </p:txBody>
+      </p:sp>
+      <p:sp>
+        <p:nvSpPr>
+          <p:cNvPr id="3" name="内容占位符 2"/>
+          <p:cNvSpPr>
+            <a:spLocks noGrp="1"/>
+          </p:cNvSpPr>
+          <p:nvPr>
+            <p:ph idx="1"/>
+          </p:nvPr>
+        </p:nvSpPr>
+        <p:spPr/>
+        <p:txBody>
+          <a:bodyPr/>
+          <a:lstStyle/>
+          <a:p>
+            <a:endParaRPr kumimoji="1" lang="zh-CN" altLang="en-US"/>
+          </a:p>
+        </p:txBody>
+      </p:sp>
+    </p:spTree>
+    <p:extLst>
+      <p:ext uri="{BB962C8B-B14F-4D97-AF65-F5344CB8AC3E}">
+        <p14:creationId xmlns:p14="http://schemas.microsoft.com/office/powerpoint/2010/main" val="940590675"/>
+      </p:ext>
+    </p:extLst>
+  </p:cSld>
+  <p:clrMapOvr>
+    <a:masterClrMapping/>
+  </p:clrMapOvr>
+</p:sld>
+</file>
+
+<file path=ppt/slides/slide8.xml><?xml version="1.0" encoding="utf-8"?>
 <p:sld xmlns:a="http://schemas.openxmlformats.org/drawingml/2006/main" xmlns:r="http://schemas.openxmlformats.org/officeDocument/2006/relationships" xmlns:p="http://schemas.openxmlformats.org/presentationml/2006/main">
   <p:cSld>
     <p:spTree>
@@ -4595,14 +5129,14 @@
           </a:ln>
           <a:extLst>
             <a:ext uri="{909E8E84-426E-40dd-AFC4-6F175D3DCCD1}">
-              <a14:hiddenFill xmlns:a14="http://schemas.microsoft.com/office/drawing/2010/main" xmlns="">
+              <a14:hiddenFill xmlns="" xmlns:a14="http://schemas.microsoft.com/office/drawing/2010/main">
                 <a:solidFill>
                   <a:schemeClr val="accent1"/>
                 </a:solidFill>
               </a14:hiddenFill>
             </a:ext>
             <a:ext uri="{91240B29-F687-4f45-9708-019B960494DF}">
-              <a14:hiddenLine xmlns:a14="http://schemas.microsoft.com/office/drawing/2010/main" xmlns="" w="9525">
+              <a14:hiddenLine xmlns="" xmlns:a14="http://schemas.microsoft.com/office/drawing/2010/main" w="9525">
                 <a:solidFill>
                   <a:schemeClr val="tx1"/>
                 </a:solidFill>
